--- a/Slides/Ders 0.pptx
+++ b/Slides/Ders 0.pptx
@@ -9,6 +9,11 @@
     <p:sldId id="258" r:id="rId3"/>
     <p:sldId id="259" r:id="rId4"/>
     <p:sldId id="260" r:id="rId5"/>
+    <p:sldId id="261" r:id="rId6"/>
+    <p:sldId id="262" r:id="rId7"/>
+    <p:sldId id="263" r:id="rId8"/>
+    <p:sldId id="264" r:id="rId9"/>
+    <p:sldId id="265" r:id="rId10"/>
   </p:sldIdLst>
   <p:sldSz cx="9144000" cy="6858000" type="screen4x3"/>
   <p:notesSz cx="6858000" cy="9144000"/>
@@ -246,7 +251,7 @@
           <a:p>
             <a:fld id="{26396F4E-1D0B-3F44-AA0F-A3430AE5742F}" type="datetimeFigureOut">
               <a:rPr lang="tr-TR" smtClean="0"/>
-              <a:t>13.02.2023</a:t>
+              <a:t>3.03.2023</a:t>
             </a:fld>
             <a:endParaRPr lang="tr-TR"/>
           </a:p>
@@ -416,7 +421,7 @@
           <a:p>
             <a:fld id="{26396F4E-1D0B-3F44-AA0F-A3430AE5742F}" type="datetimeFigureOut">
               <a:rPr lang="tr-TR" smtClean="0"/>
-              <a:t>13.02.2023</a:t>
+              <a:t>3.03.2023</a:t>
             </a:fld>
             <a:endParaRPr lang="tr-TR"/>
           </a:p>
@@ -596,7 +601,7 @@
           <a:p>
             <a:fld id="{26396F4E-1D0B-3F44-AA0F-A3430AE5742F}" type="datetimeFigureOut">
               <a:rPr lang="tr-TR" smtClean="0"/>
-              <a:t>13.02.2023</a:t>
+              <a:t>3.03.2023</a:t>
             </a:fld>
             <a:endParaRPr lang="tr-TR"/>
           </a:p>
@@ -766,7 +771,7 @@
           <a:p>
             <a:fld id="{26396F4E-1D0B-3F44-AA0F-A3430AE5742F}" type="datetimeFigureOut">
               <a:rPr lang="tr-TR" smtClean="0"/>
-              <a:t>13.02.2023</a:t>
+              <a:t>3.03.2023</a:t>
             </a:fld>
             <a:endParaRPr lang="tr-TR"/>
           </a:p>
@@ -1010,7 +1015,7 @@
           <a:p>
             <a:fld id="{26396F4E-1D0B-3F44-AA0F-A3430AE5742F}" type="datetimeFigureOut">
               <a:rPr lang="tr-TR" smtClean="0"/>
-              <a:t>13.02.2023</a:t>
+              <a:t>3.03.2023</a:t>
             </a:fld>
             <a:endParaRPr lang="tr-TR"/>
           </a:p>
@@ -1242,7 +1247,7 @@
           <a:p>
             <a:fld id="{26396F4E-1D0B-3F44-AA0F-A3430AE5742F}" type="datetimeFigureOut">
               <a:rPr lang="tr-TR" smtClean="0"/>
-              <a:t>13.02.2023</a:t>
+              <a:t>3.03.2023</a:t>
             </a:fld>
             <a:endParaRPr lang="tr-TR"/>
           </a:p>
@@ -1609,7 +1614,7 @@
           <a:p>
             <a:fld id="{26396F4E-1D0B-3F44-AA0F-A3430AE5742F}" type="datetimeFigureOut">
               <a:rPr lang="tr-TR" smtClean="0"/>
-              <a:t>13.02.2023</a:t>
+              <a:t>3.03.2023</a:t>
             </a:fld>
             <a:endParaRPr lang="tr-TR"/>
           </a:p>
@@ -1727,7 +1732,7 @@
           <a:p>
             <a:fld id="{26396F4E-1D0B-3F44-AA0F-A3430AE5742F}" type="datetimeFigureOut">
               <a:rPr lang="tr-TR" smtClean="0"/>
-              <a:t>13.02.2023</a:t>
+              <a:t>3.03.2023</a:t>
             </a:fld>
             <a:endParaRPr lang="tr-TR"/>
           </a:p>
@@ -1822,7 +1827,7 @@
           <a:p>
             <a:fld id="{26396F4E-1D0B-3F44-AA0F-A3430AE5742F}" type="datetimeFigureOut">
               <a:rPr lang="tr-TR" smtClean="0"/>
-              <a:t>13.02.2023</a:t>
+              <a:t>3.03.2023</a:t>
             </a:fld>
             <a:endParaRPr lang="tr-TR"/>
           </a:p>
@@ -2099,7 +2104,7 @@
           <a:p>
             <a:fld id="{26396F4E-1D0B-3F44-AA0F-A3430AE5742F}" type="datetimeFigureOut">
               <a:rPr lang="tr-TR" smtClean="0"/>
-              <a:t>13.02.2023</a:t>
+              <a:t>3.03.2023</a:t>
             </a:fld>
             <a:endParaRPr lang="tr-TR"/>
           </a:p>
@@ -2356,7 +2361,7 @@
           <a:p>
             <a:fld id="{26396F4E-1D0B-3F44-AA0F-A3430AE5742F}" type="datetimeFigureOut">
               <a:rPr lang="tr-TR" smtClean="0"/>
-              <a:t>13.02.2023</a:t>
+              <a:t>3.03.2023</a:t>
             </a:fld>
             <a:endParaRPr lang="tr-TR"/>
           </a:p>
@@ -2569,7 +2574,7 @@
           <a:p>
             <a:fld id="{26396F4E-1D0B-3F44-AA0F-A3430AE5742F}" type="datetimeFigureOut">
               <a:rPr lang="tr-TR" smtClean="0"/>
-              <a:t>13.02.2023</a:t>
+              <a:t>3.03.2023</a:t>
             </a:fld>
             <a:endParaRPr lang="tr-TR"/>
           </a:p>
@@ -2992,118 +2997,31 @@
         </p:nvSpPr>
         <p:spPr>
           <a:xfrm>
-            <a:off x="685800" y="1143000"/>
-            <a:ext cx="7772400" cy="3128963"/>
+            <a:off x="685800" y="1773238"/>
+            <a:ext cx="7772400" cy="1655762"/>
           </a:xfrm>
         </p:spPr>
         <p:txBody>
           <a:bodyPr>
-            <a:normAutofit fontScale="90000"/>
+            <a:normAutofit/>
           </a:bodyPr>
           <a:lstStyle/>
           <a:p>
             <a:r>
-              <a:rPr lang="en-US" sz="3600" b="0" i="0" dirty="0">
+              <a:rPr lang="en-US" sz="8800" b="0" i="0" dirty="0">
                 <a:effectLst/>
                 <a:latin typeface="Helvetica Neue" panose="02000503000000020004" pitchFamily="2" charset="0"/>
               </a:rPr>
-              <a:t>1906003022015</a:t>
-            </a:r>
-            <a:br>
-              <a:rPr lang="en-US" sz="3600" b="0" i="0" dirty="0">
+              <a:t>Web </a:t>
+            </a:r>
+            <a:r>
+              <a:rPr lang="en-US" sz="8800" b="0" i="0" dirty="0" err="1">
                 <a:effectLst/>
                 <a:latin typeface="Helvetica Neue" panose="02000503000000020004" pitchFamily="2" charset="0"/>
               </a:rPr>
-            </a:br>
-            <a:br>
-              <a:rPr lang="en-US" sz="4400" b="0" i="0" dirty="0">
-                <a:effectLst/>
-                <a:latin typeface="Helvetica Neue" panose="02000503000000020004" pitchFamily="2" charset="0"/>
-              </a:rPr>
-            </a:br>
-            <a:r>
-              <a:rPr lang="en-US" sz="4900" b="0" i="0" dirty="0" err="1">
-                <a:effectLst/>
-                <a:latin typeface="Helvetica Neue" panose="02000503000000020004" pitchFamily="2" charset="0"/>
-              </a:rPr>
-              <a:t>Veritabanı</a:t>
-            </a:r>
-            <a:r>
-              <a:rPr lang="en-US" sz="4900" b="0" i="0" dirty="0">
-                <a:effectLst/>
-                <a:latin typeface="Helvetica Neue" panose="02000503000000020004" pitchFamily="2" charset="0"/>
-              </a:rPr>
-              <a:t> </a:t>
-            </a:r>
-            <a:r>
-              <a:rPr lang="en-US" sz="4900" b="0" i="0" dirty="0" err="1">
-                <a:effectLst/>
-                <a:latin typeface="Helvetica Neue" panose="02000503000000020004" pitchFamily="2" charset="0"/>
-              </a:rPr>
-              <a:t>Yönetim</a:t>
-            </a:r>
-            <a:r>
-              <a:rPr lang="en-US" sz="4900" b="0" i="0" dirty="0">
-                <a:effectLst/>
-                <a:latin typeface="Helvetica Neue" panose="02000503000000020004" pitchFamily="2" charset="0"/>
-              </a:rPr>
-              <a:t> </a:t>
-            </a:r>
-            <a:r>
-              <a:rPr lang="en-US" sz="4900" b="0" i="0" dirty="0" err="1">
-                <a:effectLst/>
-                <a:latin typeface="Helvetica Neue" panose="02000503000000020004" pitchFamily="2" charset="0"/>
-              </a:rPr>
-              <a:t>Sistemleri</a:t>
-            </a:r>
-            <a:br>
-              <a:rPr lang="en-US" sz="4400" b="0" i="0" dirty="0">
-                <a:effectLst/>
-                <a:latin typeface="Helvetica Neue" panose="02000503000000020004" pitchFamily="2" charset="0"/>
-              </a:rPr>
-            </a:br>
-            <a:br>
-              <a:rPr lang="en-US" sz="4400" b="0" i="0" dirty="0">
-                <a:effectLst/>
-                <a:latin typeface="Helvetica Neue" panose="02000503000000020004" pitchFamily="2" charset="0"/>
-              </a:rPr>
-            </a:br>
-            <a:r>
-              <a:rPr lang="en-US" sz="3600" b="0" i="0" dirty="0">
-                <a:effectLst/>
-                <a:latin typeface="Helvetica Neue" panose="02000503000000020004" pitchFamily="2" charset="0"/>
-              </a:rPr>
-              <a:t>BAİBÜ </a:t>
-            </a:r>
-            <a:r>
-              <a:rPr lang="en-US" sz="3600" b="0" i="0" dirty="0" err="1">
-                <a:effectLst/>
-                <a:latin typeface="Helvetica Neue" panose="02000503000000020004" pitchFamily="2" charset="0"/>
-              </a:rPr>
-              <a:t>Bilgisayar</a:t>
-            </a:r>
-            <a:r>
-              <a:rPr lang="en-US" sz="3600" b="0" i="0" dirty="0">
-                <a:effectLst/>
-                <a:latin typeface="Helvetica Neue" panose="02000503000000020004" pitchFamily="2" charset="0"/>
-              </a:rPr>
-              <a:t> </a:t>
-            </a:r>
-            <a:r>
-              <a:rPr lang="en-US" sz="3600" b="0" i="0" dirty="0" err="1">
-                <a:effectLst/>
-                <a:latin typeface="Helvetica Neue" panose="02000503000000020004" pitchFamily="2" charset="0"/>
-              </a:rPr>
-              <a:t>Müh</a:t>
-            </a:r>
-            <a:r>
-              <a:rPr lang="en-US" sz="3600" b="0" i="0" dirty="0">
-                <a:effectLst/>
-                <a:latin typeface="Helvetica Neue" panose="02000503000000020004" pitchFamily="2" charset="0"/>
-              </a:rPr>
-              <a:t>.</a:t>
-            </a:r>
-            <a:endParaRPr lang="tr-TR" sz="4400" dirty="0"/>
+              <a:t>Tasarımı</a:t>
+            </a:r>
+            <a:endParaRPr lang="tr-TR" sz="8000" dirty="0"/>
           </a:p>
         </p:txBody>
       </p:sp>
@@ -3125,7 +3043,7 @@
         </p:nvSpPr>
         <p:spPr>
           <a:xfrm>
-            <a:off x="1143000" y="4907756"/>
+            <a:off x="1143000" y="3951314"/>
             <a:ext cx="6858000" cy="1655762"/>
           </a:xfrm>
         </p:spPr>
@@ -3356,68 +3274,10 @@
           <a:lstStyle/>
           <a:p>
             <a:r>
-              <a:rPr lang="tr-TR" dirty="0"/>
-              <a:t>Database </a:t>
-            </a:r>
-            <a:r>
-              <a:rPr lang="tr-TR" dirty="0" err="1"/>
-              <a:t>Systems</a:t>
-            </a:r>
-            <a:r>
-              <a:rPr lang="tr-TR" dirty="0"/>
-              <a:t> </a:t>
-            </a:r>
-            <a:r>
-              <a:rPr lang="tr-TR" dirty="0" err="1"/>
-              <a:t>The</a:t>
-            </a:r>
-            <a:r>
-              <a:rPr lang="tr-TR" dirty="0"/>
-              <a:t> Complete </a:t>
-            </a:r>
-            <a:r>
-              <a:rPr lang="tr-TR" dirty="0" err="1"/>
-              <a:t>Book</a:t>
-            </a:r>
-            <a:r>
-              <a:rPr lang="tr-TR" dirty="0"/>
-              <a:t>, </a:t>
-            </a:r>
-            <a:r>
-              <a:rPr lang="tr-TR" dirty="0" err="1"/>
-              <a:t>Hector</a:t>
-            </a:r>
-            <a:r>
-              <a:rPr lang="tr-TR" dirty="0"/>
-              <a:t> </a:t>
-            </a:r>
-            <a:r>
-              <a:rPr lang="tr-TR" dirty="0" err="1"/>
-              <a:t>Garcia-Molina</a:t>
-            </a:r>
-            <a:r>
-              <a:rPr lang="tr-TR" dirty="0"/>
-              <a:t>, </a:t>
-            </a:r>
-            <a:r>
-              <a:rPr lang="tr-TR" dirty="0" err="1"/>
-              <a:t>Jeffrey</a:t>
-            </a:r>
-            <a:r>
-              <a:rPr lang="tr-TR" dirty="0"/>
-              <a:t> D. </a:t>
-            </a:r>
-            <a:r>
-              <a:rPr lang="tr-TR" dirty="0" err="1"/>
-              <a:t>Ullman</a:t>
-            </a:r>
-            <a:r>
-              <a:rPr lang="tr-TR" dirty="0"/>
-              <a:t>, Jennifer </a:t>
-            </a:r>
-            <a:r>
-              <a:rPr lang="tr-TR" dirty="0" err="1"/>
-              <a:t>Widom</a:t>
+              <a:rPr lang="tr-TR" dirty="0">
+                <a:hlinkClick r:id="rId2"/>
+              </a:rPr>
+              <a:t>https://www.w3schools.com</a:t>
             </a:r>
             <a:endParaRPr lang="tr-TR" dirty="0"/>
           </a:p>
@@ -3442,11 +3302,11 @@
             </a:r>
             <a:r>
               <a:rPr lang="tr-TR" dirty="0" err="1"/>
-              <a:t>übys</a:t>
-            </a:r>
-            <a:r>
-              <a:rPr lang="tr-TR" dirty="0"/>
-              <a:t> sayfası (</a:t>
+              <a:t>teams</a:t>
+            </a:r>
+            <a:r>
+              <a:rPr lang="tr-TR" dirty="0"/>
+              <a:t> hesabı (</a:t>
             </a:r>
             <a:r>
               <a:rPr lang="tr-TR" b="1" dirty="0"/>
@@ -3479,10 +3339,9 @@
               <a:t>ihpar</a:t>
             </a:r>
             <a:r>
-              <a:rPr lang="tr-TR"/>
+              <a:rPr lang="tr-TR" dirty="0"/>
               <a:t>/web</a:t>
             </a:r>
-            <a:endParaRPr lang="tr-TR" dirty="0"/>
           </a:p>
         </p:txBody>
       </p:sp>
@@ -3537,7 +3396,10 @@
           <a:bodyPr/>
           <a:lstStyle/>
           <a:p>
-            <a:endParaRPr lang="tr-TR"/>
+            <a:r>
+              <a:rPr lang="tr-TR" dirty="0"/>
+              <a:t>İnternet</a:t>
+            </a:r>
           </a:p>
         </p:txBody>
       </p:sp>
@@ -3562,7 +3424,28 @@
           <a:bodyPr/>
           <a:lstStyle/>
           <a:p>
-            <a:endParaRPr lang="tr-TR"/>
+            <a:r>
+              <a:rPr lang="tr-TR" dirty="0"/>
+              <a:t>Bilgisayar sistemlerinin birbirleri ile haberleşebildiği elektronik ağ.</a:t>
+            </a:r>
+          </a:p>
+          <a:p>
+            <a:r>
+              <a:rPr lang="tr-TR" dirty="0"/>
+              <a:t>60'larda ABD savunma sisteminde, 70'lerde ABD Üniversitelerinde, 1993 yılında Türkiye'de.</a:t>
+            </a:r>
+          </a:p>
+          <a:p>
+            <a:r>
+              <a:rPr lang="tr-TR" dirty="0"/>
+              <a:t>Internet siteleri üzerinden yazı resim, video, ses, vb. içerikler paylaşılabilir.</a:t>
+            </a:r>
+          </a:p>
+          <a:p>
+            <a:r>
+              <a:rPr lang="tr-TR" dirty="0"/>
+              <a:t>Monitör, hoparlör, gözlük, vb. ile paylaşılan verilere erişilir ve klavye, fare, sesli komutlar, vb. ile siteler ile etkileşime girilebilir.</a:t>
+            </a:r>
           </a:p>
         </p:txBody>
       </p:sp>
@@ -3570,6 +3453,1349 @@
     <p:extLst>
       <p:ext uri="{BB962C8B-B14F-4D97-AF65-F5344CB8AC3E}">
         <p14:creationId xmlns:p14="http://schemas.microsoft.com/office/powerpoint/2010/main" val="2650959478"/>
+      </p:ext>
+    </p:extLst>
+  </p:cSld>
+  <p:clrMapOvr>
+    <a:masterClrMapping/>
+  </p:clrMapOvr>
+</p:sld>
+</file>
+
+<file path=ppt/slides/slide5.xml><?xml version="1.0" encoding="utf-8"?>
+<p:sld xmlns:a="http://schemas.openxmlformats.org/drawingml/2006/main" xmlns:r="http://schemas.openxmlformats.org/officeDocument/2006/relationships" xmlns:p="http://schemas.openxmlformats.org/presentationml/2006/main">
+  <p:cSld>
+    <p:spTree>
+      <p:nvGrpSpPr>
+        <p:cNvPr id="1" name=""/>
+        <p:cNvGrpSpPr/>
+        <p:nvPr/>
+      </p:nvGrpSpPr>
+      <p:grpSpPr>
+        <a:xfrm>
+          <a:off x="0" y="0"/>
+          <a:ext cx="0" cy="0"/>
+          <a:chOff x="0" y="0"/>
+          <a:chExt cx="0" cy="0"/>
+        </a:xfrm>
+      </p:grpSpPr>
+      <p:sp>
+        <p:nvSpPr>
+          <p:cNvPr id="2" name="Title 1">
+            <a:extLst>
+              <a:ext uri="{FF2B5EF4-FFF2-40B4-BE49-F238E27FC236}">
+                <a16:creationId xmlns:a16="http://schemas.microsoft.com/office/drawing/2014/main" id="{4193B3AD-E137-6089-B904-C2F707D8FD2B}"/>
+              </a:ext>
+            </a:extLst>
+          </p:cNvPr>
+          <p:cNvSpPr>
+            <a:spLocks noGrp="1"/>
+          </p:cNvSpPr>
+          <p:nvPr>
+            <p:ph type="title"/>
+          </p:nvPr>
+        </p:nvSpPr>
+        <p:spPr/>
+        <p:txBody>
+          <a:bodyPr/>
+          <a:lstStyle/>
+          <a:p>
+            <a:r>
+              <a:rPr lang="tr-TR" dirty="0"/>
+              <a:t>Sunucu - İstemci Modeli</a:t>
+            </a:r>
+          </a:p>
+        </p:txBody>
+      </p:sp>
+      <p:pic>
+        <p:nvPicPr>
+          <p:cNvPr id="5" name="Graphic 4" descr="Server with solid fill">
+            <a:extLst>
+              <a:ext uri="{FF2B5EF4-FFF2-40B4-BE49-F238E27FC236}">
+                <a16:creationId xmlns:a16="http://schemas.microsoft.com/office/drawing/2014/main" id="{4F21838E-8772-CE8F-9EBC-BC1B2670298C}"/>
+              </a:ext>
+            </a:extLst>
+          </p:cNvPr>
+          <p:cNvPicPr>
+            <a:picLocks noChangeAspect="1"/>
+          </p:cNvPicPr>
+          <p:nvPr/>
+        </p:nvPicPr>
+        <p:blipFill>
+          <a:blip r:embed="rId2">
+            <a:extLst>
+              <a:ext uri="{96DAC541-7B7A-43D3-8B79-37D633B846F1}">
+                <asvg:svgBlip xmlns:asvg="http://schemas.microsoft.com/office/drawing/2016/SVG/main" r:embed="rId3"/>
+              </a:ext>
+            </a:extLst>
+          </a:blip>
+          <a:stretch>
+            <a:fillRect/>
+          </a:stretch>
+        </p:blipFill>
+        <p:spPr>
+          <a:xfrm>
+            <a:off x="3788979" y="1690689"/>
+            <a:ext cx="1566041" cy="1566041"/>
+          </a:xfrm>
+          <a:prstGeom prst="rect">
+            <a:avLst/>
+          </a:prstGeom>
+        </p:spPr>
+      </p:pic>
+      <p:pic>
+        <p:nvPicPr>
+          <p:cNvPr id="7" name="Graphic 6" descr="Laptop outline">
+            <a:extLst>
+              <a:ext uri="{FF2B5EF4-FFF2-40B4-BE49-F238E27FC236}">
+                <a16:creationId xmlns:a16="http://schemas.microsoft.com/office/drawing/2014/main" id="{C6C7C65B-AE63-BC50-3A9A-C7212B895AE6}"/>
+              </a:ext>
+            </a:extLst>
+          </p:cNvPr>
+          <p:cNvPicPr>
+            <a:picLocks noChangeAspect="1"/>
+          </p:cNvPicPr>
+          <p:nvPr/>
+        </p:nvPicPr>
+        <p:blipFill>
+          <a:blip r:embed="rId4">
+            <a:extLst>
+              <a:ext uri="{96DAC541-7B7A-43D3-8B79-37D633B846F1}">
+                <asvg:svgBlip xmlns:asvg="http://schemas.microsoft.com/office/drawing/2016/SVG/main" r:embed="rId5"/>
+              </a:ext>
+            </a:extLst>
+          </a:blip>
+          <a:stretch>
+            <a:fillRect/>
+          </a:stretch>
+        </p:blipFill>
+        <p:spPr>
+          <a:xfrm>
+            <a:off x="1534509" y="4026938"/>
+            <a:ext cx="1597573" cy="1597573"/>
+          </a:xfrm>
+          <a:prstGeom prst="rect">
+            <a:avLst/>
+          </a:prstGeom>
+        </p:spPr>
+      </p:pic>
+      <p:pic>
+        <p:nvPicPr>
+          <p:cNvPr id="9" name="Graphic 8" descr="Smart Phone outline">
+            <a:extLst>
+              <a:ext uri="{FF2B5EF4-FFF2-40B4-BE49-F238E27FC236}">
+                <a16:creationId xmlns:a16="http://schemas.microsoft.com/office/drawing/2014/main" id="{A995B153-9F1C-02CE-0B58-82A88C3489A0}"/>
+              </a:ext>
+            </a:extLst>
+          </p:cNvPr>
+          <p:cNvPicPr>
+            <a:picLocks noChangeAspect="1"/>
+          </p:cNvPicPr>
+          <p:nvPr/>
+        </p:nvPicPr>
+        <p:blipFill>
+          <a:blip r:embed="rId6">
+            <a:extLst>
+              <a:ext uri="{96DAC541-7B7A-43D3-8B79-37D633B846F1}">
+                <asvg:svgBlip xmlns:asvg="http://schemas.microsoft.com/office/drawing/2016/SVG/main" r:embed="rId7"/>
+              </a:ext>
+            </a:extLst>
+          </a:blip>
+          <a:stretch>
+            <a:fillRect/>
+          </a:stretch>
+        </p:blipFill>
+        <p:spPr>
+          <a:xfrm>
+            <a:off x="4114798" y="4710111"/>
+            <a:ext cx="914400" cy="914400"/>
+          </a:xfrm>
+          <a:prstGeom prst="rect">
+            <a:avLst/>
+          </a:prstGeom>
+        </p:spPr>
+      </p:pic>
+      <p:pic>
+        <p:nvPicPr>
+          <p:cNvPr id="11" name="Graphic 10" descr="Tablet outline">
+            <a:extLst>
+              <a:ext uri="{FF2B5EF4-FFF2-40B4-BE49-F238E27FC236}">
+                <a16:creationId xmlns:a16="http://schemas.microsoft.com/office/drawing/2014/main" id="{8ED3C841-5785-1044-9D17-7E1F1693F9DD}"/>
+              </a:ext>
+            </a:extLst>
+          </p:cNvPr>
+          <p:cNvPicPr>
+            <a:picLocks noChangeAspect="1"/>
+          </p:cNvPicPr>
+          <p:nvPr/>
+        </p:nvPicPr>
+        <p:blipFill>
+          <a:blip r:embed="rId8">
+            <a:extLst>
+              <a:ext uri="{96DAC541-7B7A-43D3-8B79-37D633B846F1}">
+                <asvg:svgBlip xmlns:asvg="http://schemas.microsoft.com/office/drawing/2016/SVG/main" r:embed="rId9"/>
+              </a:ext>
+            </a:extLst>
+          </a:blip>
+          <a:stretch>
+            <a:fillRect/>
+          </a:stretch>
+        </p:blipFill>
+        <p:spPr>
+          <a:xfrm>
+            <a:off x="6237890" y="4368524"/>
+            <a:ext cx="914400" cy="914400"/>
+          </a:xfrm>
+          <a:prstGeom prst="rect">
+            <a:avLst/>
+          </a:prstGeom>
+        </p:spPr>
+      </p:pic>
+      <p:sp>
+        <p:nvSpPr>
+          <p:cNvPr id="12" name="TextBox 11">
+            <a:extLst>
+              <a:ext uri="{FF2B5EF4-FFF2-40B4-BE49-F238E27FC236}">
+                <a16:creationId xmlns:a16="http://schemas.microsoft.com/office/drawing/2014/main" id="{490C43C8-52DB-81CB-1780-DA456F2C31E0}"/>
+              </a:ext>
+            </a:extLst>
+          </p:cNvPr>
+          <p:cNvSpPr txBox="1"/>
+          <p:nvPr/>
+        </p:nvSpPr>
+        <p:spPr>
+          <a:xfrm>
+            <a:off x="3736737" y="3080791"/>
+            <a:ext cx="1670522" cy="369332"/>
+          </a:xfrm>
+          <a:prstGeom prst="rect">
+            <a:avLst/>
+          </a:prstGeom>
+          <a:noFill/>
+        </p:spPr>
+        <p:txBody>
+          <a:bodyPr wrap="none" rtlCol="0">
+            <a:spAutoFit/>
+          </a:bodyPr>
+          <a:lstStyle/>
+          <a:p>
+            <a:r>
+              <a:rPr lang="tr-TR" dirty="0"/>
+              <a:t>Sunucu (Server)</a:t>
+            </a:r>
+          </a:p>
+        </p:txBody>
+      </p:sp>
+      <p:sp>
+        <p:nvSpPr>
+          <p:cNvPr id="13" name="TextBox 12">
+            <a:extLst>
+              <a:ext uri="{FF2B5EF4-FFF2-40B4-BE49-F238E27FC236}">
+                <a16:creationId xmlns:a16="http://schemas.microsoft.com/office/drawing/2014/main" id="{C997FAAA-3E8F-C993-AC15-DF53AE19B62E}"/>
+              </a:ext>
+            </a:extLst>
+          </p:cNvPr>
+          <p:cNvSpPr txBox="1"/>
+          <p:nvPr/>
+        </p:nvSpPr>
+        <p:spPr>
+          <a:xfrm>
+            <a:off x="1823508" y="5391808"/>
+            <a:ext cx="1019574" cy="646331"/>
+          </a:xfrm>
+          <a:prstGeom prst="rect">
+            <a:avLst/>
+          </a:prstGeom>
+          <a:noFill/>
+        </p:spPr>
+        <p:txBody>
+          <a:bodyPr wrap="none" rtlCol="0">
+            <a:spAutoFit/>
+          </a:bodyPr>
+          <a:lstStyle/>
+          <a:p>
+            <a:r>
+              <a:rPr lang="tr-TR" dirty="0"/>
+              <a:t>istemci 1</a:t>
+            </a:r>
+          </a:p>
+          <a:p>
+            <a:r>
+              <a:rPr lang="tr-TR" dirty="0"/>
+              <a:t>(</a:t>
+            </a:r>
+            <a:r>
+              <a:rPr lang="tr-TR" dirty="0" err="1"/>
+              <a:t>client</a:t>
+            </a:r>
+            <a:r>
+              <a:rPr lang="tr-TR" dirty="0"/>
+              <a:t> 1)</a:t>
+            </a:r>
+          </a:p>
+        </p:txBody>
+      </p:sp>
+      <p:sp>
+        <p:nvSpPr>
+          <p:cNvPr id="14" name="TextBox 13">
+            <a:extLst>
+              <a:ext uri="{FF2B5EF4-FFF2-40B4-BE49-F238E27FC236}">
+                <a16:creationId xmlns:a16="http://schemas.microsoft.com/office/drawing/2014/main" id="{7E9CEB67-D64C-7D46-D128-6155BAEC6117}"/>
+              </a:ext>
+            </a:extLst>
+          </p:cNvPr>
+          <p:cNvSpPr txBox="1"/>
+          <p:nvPr/>
+        </p:nvSpPr>
+        <p:spPr>
+          <a:xfrm>
+            <a:off x="4062211" y="5714973"/>
+            <a:ext cx="1019574" cy="646331"/>
+          </a:xfrm>
+          <a:prstGeom prst="rect">
+            <a:avLst/>
+          </a:prstGeom>
+          <a:noFill/>
+        </p:spPr>
+        <p:txBody>
+          <a:bodyPr wrap="none" rtlCol="0">
+            <a:spAutoFit/>
+          </a:bodyPr>
+          <a:lstStyle/>
+          <a:p>
+            <a:r>
+              <a:rPr lang="tr-TR" dirty="0"/>
+              <a:t>istemci 2</a:t>
+            </a:r>
+          </a:p>
+          <a:p>
+            <a:r>
+              <a:rPr lang="tr-TR" dirty="0"/>
+              <a:t>(</a:t>
+            </a:r>
+            <a:r>
+              <a:rPr lang="tr-TR" dirty="0" err="1"/>
+              <a:t>client</a:t>
+            </a:r>
+            <a:r>
+              <a:rPr lang="tr-TR" dirty="0"/>
+              <a:t> 2)</a:t>
+            </a:r>
+          </a:p>
+        </p:txBody>
+      </p:sp>
+      <p:sp>
+        <p:nvSpPr>
+          <p:cNvPr id="15" name="TextBox 14">
+            <a:extLst>
+              <a:ext uri="{FF2B5EF4-FFF2-40B4-BE49-F238E27FC236}">
+                <a16:creationId xmlns:a16="http://schemas.microsoft.com/office/drawing/2014/main" id="{8E353A89-7FB5-0EDF-F2BD-5E656320A234}"/>
+              </a:ext>
+            </a:extLst>
+          </p:cNvPr>
+          <p:cNvSpPr txBox="1"/>
+          <p:nvPr/>
+        </p:nvSpPr>
+        <p:spPr>
+          <a:xfrm>
+            <a:off x="6190521" y="5391808"/>
+            <a:ext cx="1019574" cy="646331"/>
+          </a:xfrm>
+          <a:prstGeom prst="rect">
+            <a:avLst/>
+          </a:prstGeom>
+          <a:noFill/>
+        </p:spPr>
+        <p:txBody>
+          <a:bodyPr wrap="none" rtlCol="0">
+            <a:spAutoFit/>
+          </a:bodyPr>
+          <a:lstStyle/>
+          <a:p>
+            <a:r>
+              <a:rPr lang="tr-TR" dirty="0"/>
+              <a:t>istemci 3</a:t>
+            </a:r>
+          </a:p>
+          <a:p>
+            <a:r>
+              <a:rPr lang="tr-TR" dirty="0"/>
+              <a:t>(</a:t>
+            </a:r>
+            <a:r>
+              <a:rPr lang="tr-TR" dirty="0" err="1"/>
+              <a:t>client</a:t>
+            </a:r>
+            <a:r>
+              <a:rPr lang="tr-TR" dirty="0"/>
+              <a:t> 3)</a:t>
+            </a:r>
+          </a:p>
+        </p:txBody>
+      </p:sp>
+      <p:cxnSp>
+        <p:nvCxnSpPr>
+          <p:cNvPr id="17" name="Straight Arrow Connector 16">
+            <a:extLst>
+              <a:ext uri="{FF2B5EF4-FFF2-40B4-BE49-F238E27FC236}">
+                <a16:creationId xmlns:a16="http://schemas.microsoft.com/office/drawing/2014/main" id="{3596E533-A2FB-E84A-82C0-EE64476359F8}"/>
+              </a:ext>
+            </a:extLst>
+          </p:cNvPr>
+          <p:cNvCxnSpPr/>
+          <p:nvPr/>
+        </p:nvCxnSpPr>
+        <p:spPr>
+          <a:xfrm flipV="1">
+            <a:off x="2843082" y="3450123"/>
+            <a:ext cx="1219129" cy="754015"/>
+          </a:xfrm>
+          <a:prstGeom prst="straightConnector1">
+            <a:avLst/>
+          </a:prstGeom>
+          <a:ln w="38100">
+            <a:headEnd type="triangle"/>
+            <a:tailEnd type="triangle"/>
+          </a:ln>
+        </p:spPr>
+        <p:style>
+          <a:lnRef idx="1">
+            <a:schemeClr val="accent1"/>
+          </a:lnRef>
+          <a:fillRef idx="0">
+            <a:schemeClr val="accent1"/>
+          </a:fillRef>
+          <a:effectRef idx="0">
+            <a:schemeClr val="accent1"/>
+          </a:effectRef>
+          <a:fontRef idx="minor">
+            <a:schemeClr val="tx1"/>
+          </a:fontRef>
+        </p:style>
+      </p:cxnSp>
+      <p:cxnSp>
+        <p:nvCxnSpPr>
+          <p:cNvPr id="18" name="Straight Arrow Connector 17">
+            <a:extLst>
+              <a:ext uri="{FF2B5EF4-FFF2-40B4-BE49-F238E27FC236}">
+                <a16:creationId xmlns:a16="http://schemas.microsoft.com/office/drawing/2014/main" id="{981F72AB-8817-52B1-AC3F-902195744488}"/>
+              </a:ext>
+            </a:extLst>
+          </p:cNvPr>
+          <p:cNvCxnSpPr>
+            <a:cxnSpLocks/>
+            <a:stCxn id="9" idx="0"/>
+            <a:endCxn id="12" idx="2"/>
+          </p:cNvCxnSpPr>
+          <p:nvPr/>
+        </p:nvCxnSpPr>
+        <p:spPr>
+          <a:xfrm flipV="1">
+            <a:off x="4571998" y="3450123"/>
+            <a:ext cx="0" cy="1259988"/>
+          </a:xfrm>
+          <a:prstGeom prst="straightConnector1">
+            <a:avLst/>
+          </a:prstGeom>
+          <a:ln w="38100">
+            <a:headEnd type="triangle"/>
+            <a:tailEnd type="triangle"/>
+          </a:ln>
+        </p:spPr>
+        <p:style>
+          <a:lnRef idx="1">
+            <a:schemeClr val="accent1"/>
+          </a:lnRef>
+          <a:fillRef idx="0">
+            <a:schemeClr val="accent1"/>
+          </a:fillRef>
+          <a:effectRef idx="0">
+            <a:schemeClr val="accent1"/>
+          </a:effectRef>
+          <a:fontRef idx="minor">
+            <a:schemeClr val="tx1"/>
+          </a:fontRef>
+        </p:style>
+      </p:cxnSp>
+      <p:cxnSp>
+        <p:nvCxnSpPr>
+          <p:cNvPr id="21" name="Straight Arrow Connector 20">
+            <a:extLst>
+              <a:ext uri="{FF2B5EF4-FFF2-40B4-BE49-F238E27FC236}">
+                <a16:creationId xmlns:a16="http://schemas.microsoft.com/office/drawing/2014/main" id="{AA569D13-72AF-403E-03B1-F1D0D68FFBC6}"/>
+              </a:ext>
+            </a:extLst>
+          </p:cNvPr>
+          <p:cNvCxnSpPr>
+            <a:cxnSpLocks/>
+          </p:cNvCxnSpPr>
+          <p:nvPr/>
+        </p:nvCxnSpPr>
+        <p:spPr>
+          <a:xfrm flipH="1" flipV="1">
+            <a:off x="5081785" y="3450123"/>
+            <a:ext cx="1387329" cy="918401"/>
+          </a:xfrm>
+          <a:prstGeom prst="straightConnector1">
+            <a:avLst/>
+          </a:prstGeom>
+          <a:ln w="38100">
+            <a:headEnd type="triangle"/>
+            <a:tailEnd type="triangle"/>
+          </a:ln>
+        </p:spPr>
+        <p:style>
+          <a:lnRef idx="1">
+            <a:schemeClr val="accent1"/>
+          </a:lnRef>
+          <a:fillRef idx="0">
+            <a:schemeClr val="accent1"/>
+          </a:fillRef>
+          <a:effectRef idx="0">
+            <a:schemeClr val="accent1"/>
+          </a:effectRef>
+          <a:fontRef idx="minor">
+            <a:schemeClr val="tx1"/>
+          </a:fontRef>
+        </p:style>
+      </p:cxnSp>
+    </p:spTree>
+    <p:extLst>
+      <p:ext uri="{BB962C8B-B14F-4D97-AF65-F5344CB8AC3E}">
+        <p14:creationId xmlns:p14="http://schemas.microsoft.com/office/powerpoint/2010/main" val="1827001247"/>
+      </p:ext>
+    </p:extLst>
+  </p:cSld>
+  <p:clrMapOvr>
+    <a:masterClrMapping/>
+  </p:clrMapOvr>
+</p:sld>
+</file>
+
+<file path=ppt/slides/slide6.xml><?xml version="1.0" encoding="utf-8"?>
+<p:sld xmlns:a="http://schemas.openxmlformats.org/drawingml/2006/main" xmlns:r="http://schemas.openxmlformats.org/officeDocument/2006/relationships" xmlns:p="http://schemas.openxmlformats.org/presentationml/2006/main">
+  <p:cSld>
+    <p:spTree>
+      <p:nvGrpSpPr>
+        <p:cNvPr id="1" name=""/>
+        <p:cNvGrpSpPr/>
+        <p:nvPr/>
+      </p:nvGrpSpPr>
+      <p:grpSpPr>
+        <a:xfrm>
+          <a:off x="0" y="0"/>
+          <a:ext cx="0" cy="0"/>
+          <a:chOff x="0" y="0"/>
+          <a:chExt cx="0" cy="0"/>
+        </a:xfrm>
+      </p:grpSpPr>
+      <p:sp>
+        <p:nvSpPr>
+          <p:cNvPr id="2" name="Title 1">
+            <a:extLst>
+              <a:ext uri="{FF2B5EF4-FFF2-40B4-BE49-F238E27FC236}">
+                <a16:creationId xmlns:a16="http://schemas.microsoft.com/office/drawing/2014/main" id="{4193B3AD-E137-6089-B904-C2F707D8FD2B}"/>
+              </a:ext>
+            </a:extLst>
+          </p:cNvPr>
+          <p:cNvSpPr>
+            <a:spLocks noGrp="1"/>
+          </p:cNvSpPr>
+          <p:nvPr>
+            <p:ph type="title"/>
+          </p:nvPr>
+        </p:nvSpPr>
+        <p:spPr/>
+        <p:txBody>
+          <a:bodyPr/>
+          <a:lstStyle/>
+          <a:p>
+            <a:r>
+              <a:rPr lang="tr-TR" dirty="0"/>
+              <a:t>Sunucu - İstemci Modeli</a:t>
+            </a:r>
+          </a:p>
+        </p:txBody>
+      </p:sp>
+      <p:pic>
+        <p:nvPicPr>
+          <p:cNvPr id="5" name="Graphic 4" descr="Server with solid fill">
+            <a:extLst>
+              <a:ext uri="{FF2B5EF4-FFF2-40B4-BE49-F238E27FC236}">
+                <a16:creationId xmlns:a16="http://schemas.microsoft.com/office/drawing/2014/main" id="{4F21838E-8772-CE8F-9EBC-BC1B2670298C}"/>
+              </a:ext>
+            </a:extLst>
+          </p:cNvPr>
+          <p:cNvPicPr>
+            <a:picLocks noChangeAspect="1"/>
+          </p:cNvPicPr>
+          <p:nvPr/>
+        </p:nvPicPr>
+        <p:blipFill>
+          <a:blip r:embed="rId2">
+            <a:extLst>
+              <a:ext uri="{96DAC541-7B7A-43D3-8B79-37D633B846F1}">
+                <asvg:svgBlip xmlns:asvg="http://schemas.microsoft.com/office/drawing/2016/SVG/main" r:embed="rId3"/>
+              </a:ext>
+            </a:extLst>
+          </a:blip>
+          <a:stretch>
+            <a:fillRect/>
+          </a:stretch>
+        </p:blipFill>
+        <p:spPr>
+          <a:xfrm>
+            <a:off x="6206358" y="1787385"/>
+            <a:ext cx="1566041" cy="1566041"/>
+          </a:xfrm>
+          <a:prstGeom prst="rect">
+            <a:avLst/>
+          </a:prstGeom>
+        </p:spPr>
+      </p:pic>
+      <p:pic>
+        <p:nvPicPr>
+          <p:cNvPr id="7" name="Graphic 6" descr="Laptop outline">
+            <a:extLst>
+              <a:ext uri="{FF2B5EF4-FFF2-40B4-BE49-F238E27FC236}">
+                <a16:creationId xmlns:a16="http://schemas.microsoft.com/office/drawing/2014/main" id="{C6C7C65B-AE63-BC50-3A9A-C7212B895AE6}"/>
+              </a:ext>
+            </a:extLst>
+          </p:cNvPr>
+          <p:cNvPicPr>
+            <a:picLocks noChangeAspect="1"/>
+          </p:cNvPicPr>
+          <p:nvPr/>
+        </p:nvPicPr>
+        <p:blipFill>
+          <a:blip r:embed="rId4">
+            <a:extLst>
+              <a:ext uri="{96DAC541-7B7A-43D3-8B79-37D633B846F1}">
+                <asvg:svgBlip xmlns:asvg="http://schemas.microsoft.com/office/drawing/2016/SVG/main" r:embed="rId5"/>
+              </a:ext>
+            </a:extLst>
+          </a:blip>
+          <a:stretch>
+            <a:fillRect/>
+          </a:stretch>
+        </p:blipFill>
+        <p:spPr>
+          <a:xfrm>
+            <a:off x="735722" y="1831427"/>
+            <a:ext cx="1597573" cy="1597573"/>
+          </a:xfrm>
+          <a:prstGeom prst="rect">
+            <a:avLst/>
+          </a:prstGeom>
+        </p:spPr>
+      </p:pic>
+      <p:sp>
+        <p:nvSpPr>
+          <p:cNvPr id="12" name="TextBox 11">
+            <a:extLst>
+              <a:ext uri="{FF2B5EF4-FFF2-40B4-BE49-F238E27FC236}">
+                <a16:creationId xmlns:a16="http://schemas.microsoft.com/office/drawing/2014/main" id="{490C43C8-52DB-81CB-1780-DA456F2C31E0}"/>
+              </a:ext>
+            </a:extLst>
+          </p:cNvPr>
+          <p:cNvSpPr txBox="1"/>
+          <p:nvPr/>
+        </p:nvSpPr>
+        <p:spPr>
+          <a:xfrm>
+            <a:off x="6101877" y="3244334"/>
+            <a:ext cx="1670522" cy="369332"/>
+          </a:xfrm>
+          <a:prstGeom prst="rect">
+            <a:avLst/>
+          </a:prstGeom>
+          <a:noFill/>
+        </p:spPr>
+        <p:txBody>
+          <a:bodyPr wrap="none" rtlCol="0">
+            <a:spAutoFit/>
+          </a:bodyPr>
+          <a:lstStyle/>
+          <a:p>
+            <a:r>
+              <a:rPr lang="tr-TR" dirty="0"/>
+              <a:t>Sunucu (Server)</a:t>
+            </a:r>
+          </a:p>
+        </p:txBody>
+      </p:sp>
+      <p:sp>
+        <p:nvSpPr>
+          <p:cNvPr id="13" name="TextBox 12">
+            <a:extLst>
+              <a:ext uri="{FF2B5EF4-FFF2-40B4-BE49-F238E27FC236}">
+                <a16:creationId xmlns:a16="http://schemas.microsoft.com/office/drawing/2014/main" id="{C997FAAA-3E8F-C993-AC15-DF53AE19B62E}"/>
+              </a:ext>
+            </a:extLst>
+          </p:cNvPr>
+          <p:cNvSpPr txBox="1"/>
+          <p:nvPr/>
+        </p:nvSpPr>
+        <p:spPr>
+          <a:xfrm>
+            <a:off x="861814" y="3246572"/>
+            <a:ext cx="1019574" cy="646331"/>
+          </a:xfrm>
+          <a:prstGeom prst="rect">
+            <a:avLst/>
+          </a:prstGeom>
+          <a:noFill/>
+        </p:spPr>
+        <p:txBody>
+          <a:bodyPr wrap="none" rtlCol="0">
+            <a:spAutoFit/>
+          </a:bodyPr>
+          <a:lstStyle/>
+          <a:p>
+            <a:r>
+              <a:rPr lang="tr-TR" dirty="0"/>
+              <a:t>istemci 1</a:t>
+            </a:r>
+          </a:p>
+          <a:p>
+            <a:r>
+              <a:rPr lang="tr-TR" dirty="0"/>
+              <a:t>(</a:t>
+            </a:r>
+            <a:r>
+              <a:rPr lang="tr-TR" dirty="0" err="1"/>
+              <a:t>client</a:t>
+            </a:r>
+            <a:r>
+              <a:rPr lang="tr-TR" dirty="0"/>
+              <a:t> 1)</a:t>
+            </a:r>
+          </a:p>
+        </p:txBody>
+      </p:sp>
+      <p:cxnSp>
+        <p:nvCxnSpPr>
+          <p:cNvPr id="4" name="Straight Arrow Connector 3">
+            <a:extLst>
+              <a:ext uri="{FF2B5EF4-FFF2-40B4-BE49-F238E27FC236}">
+                <a16:creationId xmlns:a16="http://schemas.microsoft.com/office/drawing/2014/main" id="{C5047BBE-5392-9E06-6638-98006D2CDE16}"/>
+              </a:ext>
+            </a:extLst>
+          </p:cNvPr>
+          <p:cNvCxnSpPr/>
+          <p:nvPr/>
+        </p:nvCxnSpPr>
+        <p:spPr>
+          <a:xfrm>
+            <a:off x="2606566" y="2249214"/>
+            <a:ext cx="3495311" cy="0"/>
+          </a:xfrm>
+          <a:prstGeom prst="straightConnector1">
+            <a:avLst/>
+          </a:prstGeom>
+          <a:ln w="38100">
+            <a:tailEnd type="triangle"/>
+          </a:ln>
+        </p:spPr>
+        <p:style>
+          <a:lnRef idx="1">
+            <a:schemeClr val="accent1"/>
+          </a:lnRef>
+          <a:fillRef idx="0">
+            <a:schemeClr val="accent1"/>
+          </a:fillRef>
+          <a:effectRef idx="0">
+            <a:schemeClr val="accent1"/>
+          </a:effectRef>
+          <a:fontRef idx="minor">
+            <a:schemeClr val="tx1"/>
+          </a:fontRef>
+        </p:style>
+      </p:cxnSp>
+      <p:cxnSp>
+        <p:nvCxnSpPr>
+          <p:cNvPr id="6" name="Straight Arrow Connector 5">
+            <a:extLst>
+              <a:ext uri="{FF2B5EF4-FFF2-40B4-BE49-F238E27FC236}">
+                <a16:creationId xmlns:a16="http://schemas.microsoft.com/office/drawing/2014/main" id="{97CB87A9-8083-2113-358A-8C256A59BB3B}"/>
+              </a:ext>
+            </a:extLst>
+          </p:cNvPr>
+          <p:cNvCxnSpPr>
+            <a:cxnSpLocks/>
+          </p:cNvCxnSpPr>
+          <p:nvPr/>
+        </p:nvCxnSpPr>
+        <p:spPr>
+          <a:xfrm flipH="1">
+            <a:off x="2606566" y="2888452"/>
+            <a:ext cx="3421156" cy="0"/>
+          </a:xfrm>
+          <a:prstGeom prst="straightConnector1">
+            <a:avLst/>
+          </a:prstGeom>
+          <a:ln w="38100">
+            <a:tailEnd type="triangle"/>
+          </a:ln>
+        </p:spPr>
+        <p:style>
+          <a:lnRef idx="1">
+            <a:schemeClr val="accent1"/>
+          </a:lnRef>
+          <a:fillRef idx="0">
+            <a:schemeClr val="accent1"/>
+          </a:fillRef>
+          <a:effectRef idx="0">
+            <a:schemeClr val="accent1"/>
+          </a:effectRef>
+          <a:fontRef idx="minor">
+            <a:schemeClr val="tx1"/>
+          </a:fontRef>
+        </p:style>
+      </p:cxnSp>
+      <p:sp>
+        <p:nvSpPr>
+          <p:cNvPr id="16" name="TextBox 15">
+            <a:extLst>
+              <a:ext uri="{FF2B5EF4-FFF2-40B4-BE49-F238E27FC236}">
+                <a16:creationId xmlns:a16="http://schemas.microsoft.com/office/drawing/2014/main" id="{241409EE-13E4-AC6D-ABCE-D54C133CEBDB}"/>
+              </a:ext>
+            </a:extLst>
+          </p:cNvPr>
+          <p:cNvSpPr txBox="1"/>
+          <p:nvPr/>
+        </p:nvSpPr>
+        <p:spPr>
+          <a:xfrm>
+            <a:off x="3453306" y="1879882"/>
+            <a:ext cx="1528560" cy="369332"/>
+          </a:xfrm>
+          <a:prstGeom prst="rect">
+            <a:avLst/>
+          </a:prstGeom>
+          <a:noFill/>
+        </p:spPr>
+        <p:txBody>
+          <a:bodyPr wrap="none" rtlCol="0">
+            <a:spAutoFit/>
+          </a:bodyPr>
+          <a:lstStyle/>
+          <a:p>
+            <a:r>
+              <a:rPr lang="tr-TR" dirty="0"/>
+              <a:t>istek (</a:t>
+            </a:r>
+            <a:r>
+              <a:rPr lang="tr-TR" dirty="0" err="1"/>
+              <a:t>request</a:t>
+            </a:r>
+            <a:r>
+              <a:rPr lang="tr-TR" dirty="0"/>
+              <a:t>)</a:t>
+            </a:r>
+          </a:p>
+        </p:txBody>
+      </p:sp>
+      <p:sp>
+        <p:nvSpPr>
+          <p:cNvPr id="19" name="TextBox 18">
+            <a:extLst>
+              <a:ext uri="{FF2B5EF4-FFF2-40B4-BE49-F238E27FC236}">
+                <a16:creationId xmlns:a16="http://schemas.microsoft.com/office/drawing/2014/main" id="{DED0E8D5-CE82-D472-9C6D-0AC5734681C4}"/>
+              </a:ext>
+            </a:extLst>
+          </p:cNvPr>
+          <p:cNvSpPr txBox="1"/>
+          <p:nvPr/>
+        </p:nvSpPr>
+        <p:spPr>
+          <a:xfrm>
+            <a:off x="3453306" y="2921564"/>
+            <a:ext cx="1694631" cy="369332"/>
+          </a:xfrm>
+          <a:prstGeom prst="rect">
+            <a:avLst/>
+          </a:prstGeom>
+          <a:noFill/>
+        </p:spPr>
+        <p:txBody>
+          <a:bodyPr wrap="none" rtlCol="0">
+            <a:spAutoFit/>
+          </a:bodyPr>
+          <a:lstStyle/>
+          <a:p>
+            <a:r>
+              <a:rPr lang="tr-TR" dirty="0"/>
+              <a:t>yanıt (</a:t>
+            </a:r>
+            <a:r>
+              <a:rPr lang="tr-TR" dirty="0" err="1"/>
+              <a:t>response</a:t>
+            </a:r>
+            <a:r>
+              <a:rPr lang="tr-TR" dirty="0"/>
+              <a:t>)</a:t>
+            </a:r>
+          </a:p>
+        </p:txBody>
+      </p:sp>
+      <p:sp>
+        <p:nvSpPr>
+          <p:cNvPr id="20" name="TextBox 19">
+            <a:extLst>
+              <a:ext uri="{FF2B5EF4-FFF2-40B4-BE49-F238E27FC236}">
+                <a16:creationId xmlns:a16="http://schemas.microsoft.com/office/drawing/2014/main" id="{580C44D2-9BD2-5BD7-2711-F37422A61ED2}"/>
+              </a:ext>
+            </a:extLst>
+          </p:cNvPr>
+          <p:cNvSpPr txBox="1"/>
+          <p:nvPr/>
+        </p:nvSpPr>
+        <p:spPr>
+          <a:xfrm>
+            <a:off x="1082566" y="4992414"/>
+            <a:ext cx="3834255" cy="646331"/>
+          </a:xfrm>
+          <a:prstGeom prst="rect">
+            <a:avLst/>
+          </a:prstGeom>
+          <a:noFill/>
+        </p:spPr>
+        <p:txBody>
+          <a:bodyPr wrap="none" rtlCol="0">
+            <a:spAutoFit/>
+          </a:bodyPr>
+          <a:lstStyle/>
+          <a:p>
+            <a:r>
+              <a:rPr lang="tr-TR" dirty="0"/>
+              <a:t>istek: </a:t>
+            </a:r>
+            <a:r>
+              <a:rPr lang="tr-TR" dirty="0" err="1"/>
+              <a:t>ibu.edu.tr</a:t>
+            </a:r>
+            <a:r>
+              <a:rPr lang="tr-TR" dirty="0"/>
+              <a:t> ana sayfasını istiyorum</a:t>
+            </a:r>
+          </a:p>
+          <a:p>
+            <a:r>
+              <a:rPr lang="tr-TR" dirty="0"/>
+              <a:t>yanıt: &lt;!DOCTYPE html&gt; …</a:t>
+            </a:r>
+          </a:p>
+        </p:txBody>
+      </p:sp>
+    </p:spTree>
+    <p:extLst>
+      <p:ext uri="{BB962C8B-B14F-4D97-AF65-F5344CB8AC3E}">
+        <p14:creationId xmlns:p14="http://schemas.microsoft.com/office/powerpoint/2010/main" val="1923018188"/>
+      </p:ext>
+    </p:extLst>
+  </p:cSld>
+  <p:clrMapOvr>
+    <a:masterClrMapping/>
+  </p:clrMapOvr>
+</p:sld>
+</file>
+
+<file path=ppt/slides/slide7.xml><?xml version="1.0" encoding="utf-8"?>
+<p:sld xmlns:a="http://schemas.openxmlformats.org/drawingml/2006/main" xmlns:r="http://schemas.openxmlformats.org/officeDocument/2006/relationships" xmlns:p="http://schemas.openxmlformats.org/presentationml/2006/main">
+  <p:cSld>
+    <p:spTree>
+      <p:nvGrpSpPr>
+        <p:cNvPr id="1" name=""/>
+        <p:cNvGrpSpPr/>
+        <p:nvPr/>
+      </p:nvGrpSpPr>
+      <p:grpSpPr>
+        <a:xfrm>
+          <a:off x="0" y="0"/>
+          <a:ext cx="0" cy="0"/>
+          <a:chOff x="0" y="0"/>
+          <a:chExt cx="0" cy="0"/>
+        </a:xfrm>
+      </p:grpSpPr>
+      <p:sp>
+        <p:nvSpPr>
+          <p:cNvPr id="2" name="Title 1">
+            <a:extLst>
+              <a:ext uri="{FF2B5EF4-FFF2-40B4-BE49-F238E27FC236}">
+                <a16:creationId xmlns:a16="http://schemas.microsoft.com/office/drawing/2014/main" id="{C70B017F-DDC2-5048-6A0E-5E3B3AB8B452}"/>
+              </a:ext>
+            </a:extLst>
+          </p:cNvPr>
+          <p:cNvSpPr>
+            <a:spLocks noGrp="1"/>
+          </p:cNvSpPr>
+          <p:nvPr>
+            <p:ph type="title"/>
+          </p:nvPr>
+        </p:nvSpPr>
+        <p:spPr/>
+        <p:txBody>
+          <a:bodyPr/>
+          <a:lstStyle/>
+          <a:p>
+            <a:r>
+              <a:rPr lang="tr-TR" dirty="0"/>
+              <a:t>Grafiksel Kullanıcı Arayüzü</a:t>
+            </a:r>
+          </a:p>
+        </p:txBody>
+      </p:sp>
+      <p:sp>
+        <p:nvSpPr>
+          <p:cNvPr id="3" name="Content Placeholder 2">
+            <a:extLst>
+              <a:ext uri="{FF2B5EF4-FFF2-40B4-BE49-F238E27FC236}">
+                <a16:creationId xmlns:a16="http://schemas.microsoft.com/office/drawing/2014/main" id="{519BC211-FEE6-5DF3-63B1-92878A7DB0E9}"/>
+              </a:ext>
+            </a:extLst>
+          </p:cNvPr>
+          <p:cNvSpPr>
+            <a:spLocks noGrp="1"/>
+          </p:cNvSpPr>
+          <p:nvPr>
+            <p:ph idx="1"/>
+          </p:nvPr>
+        </p:nvSpPr>
+        <p:spPr/>
+        <p:txBody>
+          <a:bodyPr/>
+          <a:lstStyle/>
+          <a:p>
+            <a:r>
+              <a:rPr lang="tr-TR" dirty="0"/>
+              <a:t>Arayüz (</a:t>
+            </a:r>
+            <a:r>
+              <a:rPr lang="tr-TR" dirty="0" err="1"/>
+              <a:t>Graphical</a:t>
+            </a:r>
+            <a:r>
+              <a:rPr lang="tr-TR" dirty="0"/>
+              <a:t> User </a:t>
+            </a:r>
+            <a:r>
+              <a:rPr lang="tr-TR" dirty="0" err="1"/>
+              <a:t>Interface</a:t>
+            </a:r>
+            <a:r>
+              <a:rPr lang="tr-TR" dirty="0"/>
+              <a:t> - GIU): Web tarayıcısında gördüğümüz grafikler.</a:t>
+            </a:r>
+          </a:p>
+          <a:p>
+            <a:r>
+              <a:rPr lang="tr-TR" dirty="0"/>
+              <a:t>Yazılar, resimler, etkileşimli elemanlar (butonlar, yazı </a:t>
+            </a:r>
+            <a:r>
+              <a:rPr lang="tr-TR" dirty="0" err="1"/>
+              <a:t>inputları</a:t>
+            </a:r>
+            <a:r>
+              <a:rPr lang="tr-TR" dirty="0"/>
+              <a:t>, </a:t>
+            </a:r>
+            <a:r>
+              <a:rPr lang="tr-TR" dirty="0" err="1"/>
+              <a:t>checkbox</a:t>
+            </a:r>
+            <a:r>
+              <a:rPr lang="tr-TR" dirty="0"/>
+              <a:t>, </a:t>
+            </a:r>
+            <a:r>
+              <a:rPr lang="tr-TR" dirty="0" err="1"/>
+              <a:t>toggle</a:t>
+            </a:r>
+            <a:r>
+              <a:rPr lang="tr-TR" dirty="0"/>
+              <a:t> </a:t>
+            </a:r>
+            <a:r>
+              <a:rPr lang="tr-TR" dirty="0" err="1"/>
+              <a:t>switch</a:t>
+            </a:r>
+            <a:r>
+              <a:rPr lang="tr-TR" dirty="0"/>
+              <a:t>, vb.), video, ses çalarlar…</a:t>
+            </a:r>
+          </a:p>
+          <a:p>
+            <a:r>
+              <a:rPr lang="tr-TR" dirty="0"/>
+              <a:t>Grafiksel arayüz ile kullanıcılar kolaylıkla sunucu ile iletişim kurabilirler.</a:t>
+            </a:r>
+          </a:p>
+          <a:p>
+            <a:r>
+              <a:rPr lang="tr-TR" dirty="0"/>
+              <a:t>Arayüz tasarımcısı, arayüz geliştiricisi (</a:t>
+            </a:r>
+            <a:r>
+              <a:rPr lang="tr-TR" dirty="0" err="1"/>
+              <a:t>front-end</a:t>
+            </a:r>
+            <a:r>
+              <a:rPr lang="tr-TR" dirty="0"/>
+              <a:t> </a:t>
+            </a:r>
+            <a:r>
+              <a:rPr lang="tr-TR" dirty="0" err="1"/>
+              <a:t>developer</a:t>
+            </a:r>
+            <a:r>
+              <a:rPr lang="tr-TR" dirty="0"/>
+              <a:t>) gibi popüler meslek kolları bulunmaktadır.</a:t>
+            </a:r>
+          </a:p>
+        </p:txBody>
+      </p:sp>
+    </p:spTree>
+    <p:extLst>
+      <p:ext uri="{BB962C8B-B14F-4D97-AF65-F5344CB8AC3E}">
+        <p14:creationId xmlns:p14="http://schemas.microsoft.com/office/powerpoint/2010/main" val="391530489"/>
+      </p:ext>
+    </p:extLst>
+  </p:cSld>
+  <p:clrMapOvr>
+    <a:masterClrMapping/>
+  </p:clrMapOvr>
+</p:sld>
+</file>
+
+<file path=ppt/slides/slide8.xml><?xml version="1.0" encoding="utf-8"?>
+<p:sld xmlns:a="http://schemas.openxmlformats.org/drawingml/2006/main" xmlns:r="http://schemas.openxmlformats.org/officeDocument/2006/relationships" xmlns:p="http://schemas.openxmlformats.org/presentationml/2006/main">
+  <p:cSld>
+    <p:spTree>
+      <p:nvGrpSpPr>
+        <p:cNvPr id="1" name=""/>
+        <p:cNvGrpSpPr/>
+        <p:nvPr/>
+      </p:nvGrpSpPr>
+      <p:grpSpPr>
+        <a:xfrm>
+          <a:off x="0" y="0"/>
+          <a:ext cx="0" cy="0"/>
+          <a:chOff x="0" y="0"/>
+          <a:chExt cx="0" cy="0"/>
+        </a:xfrm>
+      </p:grpSpPr>
+      <p:sp>
+        <p:nvSpPr>
+          <p:cNvPr id="2" name="Title 1">
+            <a:extLst>
+              <a:ext uri="{FF2B5EF4-FFF2-40B4-BE49-F238E27FC236}">
+                <a16:creationId xmlns:a16="http://schemas.microsoft.com/office/drawing/2014/main" id="{C70B017F-DDC2-5048-6A0E-5E3B3AB8B452}"/>
+              </a:ext>
+            </a:extLst>
+          </p:cNvPr>
+          <p:cNvSpPr>
+            <a:spLocks noGrp="1"/>
+          </p:cNvSpPr>
+          <p:nvPr>
+            <p:ph type="title"/>
+          </p:nvPr>
+        </p:nvSpPr>
+        <p:spPr/>
+        <p:txBody>
+          <a:bodyPr/>
+          <a:lstStyle/>
+          <a:p>
+            <a:r>
+              <a:rPr lang="tr-TR" dirty="0"/>
+              <a:t>Grafiksel Kullanıcı Arayüzü</a:t>
+            </a:r>
+          </a:p>
+        </p:txBody>
+      </p:sp>
+      <p:sp>
+        <p:nvSpPr>
+          <p:cNvPr id="3" name="Content Placeholder 2">
+            <a:extLst>
+              <a:ext uri="{FF2B5EF4-FFF2-40B4-BE49-F238E27FC236}">
+                <a16:creationId xmlns:a16="http://schemas.microsoft.com/office/drawing/2014/main" id="{519BC211-FEE6-5DF3-63B1-92878A7DB0E9}"/>
+              </a:ext>
+            </a:extLst>
+          </p:cNvPr>
+          <p:cNvSpPr>
+            <a:spLocks noGrp="1"/>
+          </p:cNvSpPr>
+          <p:nvPr>
+            <p:ph idx="1"/>
+          </p:nvPr>
+        </p:nvSpPr>
+        <p:spPr/>
+        <p:txBody>
+          <a:bodyPr/>
+          <a:lstStyle/>
+          <a:p>
+            <a:r>
+              <a:rPr lang="tr-TR" dirty="0" err="1"/>
+              <a:t>Css</a:t>
+            </a:r>
+            <a:r>
+              <a:rPr lang="tr-TR" dirty="0"/>
+              <a:t>, HTML, JavaScript.</a:t>
+            </a:r>
+          </a:p>
+          <a:p>
+            <a:r>
+              <a:rPr lang="tr-TR" dirty="0"/>
+              <a:t>HTML: Sayfada bulunması gereken elemanları oluşturabildiğimiz dil.</a:t>
+            </a:r>
+          </a:p>
+          <a:p>
+            <a:r>
+              <a:rPr lang="tr-TR" dirty="0" err="1"/>
+              <a:t>Css</a:t>
+            </a:r>
+            <a:r>
+              <a:rPr lang="tr-TR" dirty="0"/>
+              <a:t>: Sayfadaki elemanların stillerini belirleyebildiğimiz dil.</a:t>
+            </a:r>
+          </a:p>
+          <a:p>
+            <a:r>
+              <a:rPr lang="tr-TR" dirty="0"/>
+              <a:t>JavaScript: Programlama dilidir. İşlevselliği sağlar.</a:t>
+            </a:r>
+          </a:p>
+        </p:txBody>
+      </p:sp>
+    </p:spTree>
+    <p:extLst>
+      <p:ext uri="{BB962C8B-B14F-4D97-AF65-F5344CB8AC3E}">
+        <p14:creationId xmlns:p14="http://schemas.microsoft.com/office/powerpoint/2010/main" val="2118733414"/>
+      </p:ext>
+    </p:extLst>
+  </p:cSld>
+  <p:clrMapOvr>
+    <a:masterClrMapping/>
+  </p:clrMapOvr>
+</p:sld>
+</file>
+
+<file path=ppt/slides/slide9.xml><?xml version="1.0" encoding="utf-8"?>
+<p:sld xmlns:a="http://schemas.openxmlformats.org/drawingml/2006/main" xmlns:r="http://schemas.openxmlformats.org/officeDocument/2006/relationships" xmlns:p="http://schemas.openxmlformats.org/presentationml/2006/main">
+  <p:cSld>
+    <p:spTree>
+      <p:nvGrpSpPr>
+        <p:cNvPr id="1" name=""/>
+        <p:cNvGrpSpPr/>
+        <p:nvPr/>
+      </p:nvGrpSpPr>
+      <p:grpSpPr>
+        <a:xfrm>
+          <a:off x="0" y="0"/>
+          <a:ext cx="0" cy="0"/>
+          <a:chOff x="0" y="0"/>
+          <a:chExt cx="0" cy="0"/>
+        </a:xfrm>
+      </p:grpSpPr>
+      <p:sp>
+        <p:nvSpPr>
+          <p:cNvPr id="2" name="Title 1">
+            <a:extLst>
+              <a:ext uri="{FF2B5EF4-FFF2-40B4-BE49-F238E27FC236}">
+                <a16:creationId xmlns:a16="http://schemas.microsoft.com/office/drawing/2014/main" id="{B4D813D0-E993-4B23-AADB-E04900986849}"/>
+              </a:ext>
+            </a:extLst>
+          </p:cNvPr>
+          <p:cNvSpPr>
+            <a:spLocks noGrp="1"/>
+          </p:cNvSpPr>
+          <p:nvPr>
+            <p:ph type="title"/>
+          </p:nvPr>
+        </p:nvSpPr>
+        <p:spPr/>
+        <p:txBody>
+          <a:bodyPr/>
+          <a:lstStyle/>
+          <a:p>
+            <a:r>
+              <a:rPr lang="tr-TR" dirty="0"/>
+              <a:t>Dönem Boyunca…</a:t>
+            </a:r>
+          </a:p>
+        </p:txBody>
+      </p:sp>
+      <p:sp>
+        <p:nvSpPr>
+          <p:cNvPr id="3" name="Content Placeholder 2">
+            <a:extLst>
+              <a:ext uri="{FF2B5EF4-FFF2-40B4-BE49-F238E27FC236}">
+                <a16:creationId xmlns:a16="http://schemas.microsoft.com/office/drawing/2014/main" id="{101EB31F-0AD0-595F-EB0D-6F707D80C169}"/>
+              </a:ext>
+            </a:extLst>
+          </p:cNvPr>
+          <p:cNvSpPr>
+            <a:spLocks noGrp="1"/>
+          </p:cNvSpPr>
+          <p:nvPr>
+            <p:ph idx="1"/>
+          </p:nvPr>
+        </p:nvSpPr>
+        <p:spPr/>
+        <p:txBody>
+          <a:bodyPr/>
+          <a:lstStyle/>
+          <a:p>
+            <a:r>
+              <a:rPr lang="tr-TR" dirty="0"/>
+              <a:t>HTML ve </a:t>
+            </a:r>
+            <a:r>
+              <a:rPr lang="tr-TR" dirty="0" err="1"/>
+              <a:t>Css</a:t>
+            </a:r>
+            <a:r>
+              <a:rPr lang="tr-TR" dirty="0"/>
+              <a:t> ile web sayfası tasarlama.</a:t>
+            </a:r>
+          </a:p>
+          <a:p>
+            <a:r>
+              <a:rPr lang="tr-TR" dirty="0"/>
+              <a:t>JavaScript programlama yeteneği web arayüzü geliştiricisi için zorunludur. Ancak bilgisayar programlama temeli gerektirdiği için bu dersin ana konularından değildir.</a:t>
+            </a:r>
+          </a:p>
+          <a:p>
+            <a:r>
+              <a:rPr lang="tr-TR" dirty="0">
+                <a:hlinkClick r:id="rId2"/>
+              </a:rPr>
+              <a:t>https://www.w3schools.com/html</a:t>
+            </a:r>
+            <a:endParaRPr lang="tr-TR" dirty="0"/>
+          </a:p>
+          <a:p>
+            <a:r>
+              <a:rPr lang="tr-TR" dirty="0">
+                <a:hlinkClick r:id="rId3"/>
+              </a:rPr>
+              <a:t>https://code.visualstudio.com</a:t>
+            </a:r>
+            <a:endParaRPr lang="tr-TR" dirty="0"/>
+          </a:p>
+          <a:p>
+            <a:r>
+              <a:rPr lang="tr-TR" dirty="0"/>
+              <a:t>Windows makineler için "dosya uzantılarını görünür hale getiriniz." </a:t>
+            </a:r>
+          </a:p>
+        </p:txBody>
+      </p:sp>
+    </p:spTree>
+    <p:extLst>
+      <p:ext uri="{BB962C8B-B14F-4D97-AF65-F5344CB8AC3E}">
+        <p14:creationId xmlns:p14="http://schemas.microsoft.com/office/powerpoint/2010/main" val="2715818382"/>
       </p:ext>
     </p:extLst>
   </p:cSld>

--- a/Slides/Ders 0.pptx
+++ b/Slides/Ders 0.pptx
@@ -4485,7 +4485,15 @@
             </a:r>
             <a:r>
               <a:rPr lang="tr-TR" dirty="0"/>
-              <a:t> - GIU): Web tarayıcısında gördüğümüz grafikler.</a:t>
+              <a:t> </a:t>
+            </a:r>
+            <a:r>
+              <a:rPr lang="tr-TR"/>
+              <a:t>- GUI): </a:t>
+            </a:r>
+            <a:r>
+              <a:rPr lang="tr-TR" dirty="0"/>
+              <a:t>Web tarayıcısında gördüğümüz grafikler.</a:t>
             </a:r>
           </a:p>
           <a:p>
